--- a/ppt 16-9/1370.来吧！我们归向.pptx
+++ b/ppt 16-9/1370.来吧！我们归向.pptx
@@ -129,7 +129,7 @@
           <p:cNvPr id="2" name="标题 1">
             <a:extLst>
               <a:ext uri="{FF2B5EF4-FFF2-40B4-BE49-F238E27FC236}">
-                <a16:creationId xmlns:a16="http://schemas.microsoft.com/office/drawing/2014/main" id="{DF22E99C-CE98-2C15-0A23-58222B8F714A}"/>
+                <a16:creationId xmlns:a16="http://schemas.microsoft.com/office/drawing/2014/main" id="{AA2B11E4-0F88-7BC1-81B0-685ACF5289A6}"/>
               </a:ext>
             </a:extLst>
           </p:cNvPr>
@@ -166,7 +166,7 @@
           <p:cNvPr id="3" name="副标题 2">
             <a:extLst>
               <a:ext uri="{FF2B5EF4-FFF2-40B4-BE49-F238E27FC236}">
-                <a16:creationId xmlns:a16="http://schemas.microsoft.com/office/drawing/2014/main" id="{F0CF2066-CEFE-CA43-44B0-5E48D4F1DF57}"/>
+                <a16:creationId xmlns:a16="http://schemas.microsoft.com/office/drawing/2014/main" id="{F309E547-F113-6474-AAFA-8FD1F5492F82}"/>
               </a:ext>
             </a:extLst>
           </p:cNvPr>
@@ -236,7 +236,7 @@
           <p:cNvPr id="4" name="日期占位符 3">
             <a:extLst>
               <a:ext uri="{FF2B5EF4-FFF2-40B4-BE49-F238E27FC236}">
-                <a16:creationId xmlns:a16="http://schemas.microsoft.com/office/drawing/2014/main" id="{C930F989-96EC-4CBB-0EE1-031E93823A24}"/>
+                <a16:creationId xmlns:a16="http://schemas.microsoft.com/office/drawing/2014/main" id="{FEA6F484-42FA-C40A-7F0D-1C4F8B8B9D9F}"/>
               </a:ext>
             </a:extLst>
           </p:cNvPr>
@@ -252,7 +252,7 @@
           <a:bodyPr/>
           <a:lstStyle/>
           <a:p>
-            <a:fld id="{D298EECB-A50F-4957-8380-5C3A788FE864}" type="datetimeFigureOut">
+            <a:fld id="{A2C0CDEE-1856-48FB-974C-BB49D4EAD297}" type="datetimeFigureOut">
               <a:rPr lang="zh-CN" altLang="en-US" smtClean="0"/>
               <a:t>2024/3/10</a:t>
             </a:fld>
@@ -265,7 +265,7 @@
           <p:cNvPr id="5" name="页脚占位符 4">
             <a:extLst>
               <a:ext uri="{FF2B5EF4-FFF2-40B4-BE49-F238E27FC236}">
-                <a16:creationId xmlns:a16="http://schemas.microsoft.com/office/drawing/2014/main" id="{9C93A2D3-2928-6EAC-EE02-00541BF53982}"/>
+                <a16:creationId xmlns:a16="http://schemas.microsoft.com/office/drawing/2014/main" id="{E1AD1D78-5900-A393-941C-9DFB36B82A7A}"/>
               </a:ext>
             </a:extLst>
           </p:cNvPr>
@@ -290,7 +290,7 @@
           <p:cNvPr id="6" name="灯片编号占位符 5">
             <a:extLst>
               <a:ext uri="{FF2B5EF4-FFF2-40B4-BE49-F238E27FC236}">
-                <a16:creationId xmlns:a16="http://schemas.microsoft.com/office/drawing/2014/main" id="{A5B6C4DD-1AA5-B38F-817B-93DB7941664D}"/>
+                <a16:creationId xmlns:a16="http://schemas.microsoft.com/office/drawing/2014/main" id="{247545C8-9697-14A7-EE8B-8C1ACA0EEA5E}"/>
               </a:ext>
             </a:extLst>
           </p:cNvPr>
@@ -306,7 +306,7 @@
           <a:bodyPr/>
           <a:lstStyle/>
           <a:p>
-            <a:fld id="{E3F830E5-F5C2-4660-B15E-453E9C033D02}" type="slidenum">
+            <a:fld id="{0EFBC989-8B3E-4E60-B8E6-D567798DAC84}" type="slidenum">
               <a:rPr lang="zh-CN" altLang="en-US" smtClean="0"/>
               <a:t>‹#›</a:t>
             </a:fld>
@@ -317,7 +317,7 @@
     </p:spTree>
     <p:extLst>
       <p:ext uri="{BB962C8B-B14F-4D97-AF65-F5344CB8AC3E}">
-        <p14:creationId xmlns:p14="http://schemas.microsoft.com/office/powerpoint/2010/main" val="3360210184"/>
+        <p14:creationId xmlns:p14="http://schemas.microsoft.com/office/powerpoint/2010/main" val="3887723710"/>
       </p:ext>
     </p:extLst>
   </p:cSld>
@@ -349,7 +349,7 @@
           <p:cNvPr id="2" name="标题 1">
             <a:extLst>
               <a:ext uri="{FF2B5EF4-FFF2-40B4-BE49-F238E27FC236}">
-                <a16:creationId xmlns:a16="http://schemas.microsoft.com/office/drawing/2014/main" id="{F2300E1A-A600-320E-D216-1440595B2F30}"/>
+                <a16:creationId xmlns:a16="http://schemas.microsoft.com/office/drawing/2014/main" id="{8074FC6F-6D6A-209F-78E0-C10D9FFD9D16}"/>
               </a:ext>
             </a:extLst>
           </p:cNvPr>
@@ -377,7 +377,7 @@
           <p:cNvPr id="3" name="竖排文字占位符 2">
             <a:extLst>
               <a:ext uri="{FF2B5EF4-FFF2-40B4-BE49-F238E27FC236}">
-                <a16:creationId xmlns:a16="http://schemas.microsoft.com/office/drawing/2014/main" id="{2D39F86A-1AA0-94CB-E7D9-026C86F141C2}"/>
+                <a16:creationId xmlns:a16="http://schemas.microsoft.com/office/drawing/2014/main" id="{9D0E28D7-A117-549B-CFBE-BF4B5CB1AFE3}"/>
               </a:ext>
             </a:extLst>
           </p:cNvPr>
@@ -434,7 +434,7 @@
           <p:cNvPr id="4" name="日期占位符 3">
             <a:extLst>
               <a:ext uri="{FF2B5EF4-FFF2-40B4-BE49-F238E27FC236}">
-                <a16:creationId xmlns:a16="http://schemas.microsoft.com/office/drawing/2014/main" id="{8F785053-3F26-3A61-8205-7C3CC2C247C7}"/>
+                <a16:creationId xmlns:a16="http://schemas.microsoft.com/office/drawing/2014/main" id="{19918FF4-7E88-2B3F-C284-6FA3682FFAC4}"/>
               </a:ext>
             </a:extLst>
           </p:cNvPr>
@@ -450,7 +450,7 @@
           <a:bodyPr/>
           <a:lstStyle/>
           <a:p>
-            <a:fld id="{D298EECB-A50F-4957-8380-5C3A788FE864}" type="datetimeFigureOut">
+            <a:fld id="{A2C0CDEE-1856-48FB-974C-BB49D4EAD297}" type="datetimeFigureOut">
               <a:rPr lang="zh-CN" altLang="en-US" smtClean="0"/>
               <a:t>2024/3/10</a:t>
             </a:fld>
@@ -463,7 +463,7 @@
           <p:cNvPr id="5" name="页脚占位符 4">
             <a:extLst>
               <a:ext uri="{FF2B5EF4-FFF2-40B4-BE49-F238E27FC236}">
-                <a16:creationId xmlns:a16="http://schemas.microsoft.com/office/drawing/2014/main" id="{EBA5174C-6C58-3352-D9DD-C68A2B57384C}"/>
+                <a16:creationId xmlns:a16="http://schemas.microsoft.com/office/drawing/2014/main" id="{5C1E4D1D-7AC8-072F-69FC-45D90187F08D}"/>
               </a:ext>
             </a:extLst>
           </p:cNvPr>
@@ -488,7 +488,7 @@
           <p:cNvPr id="6" name="灯片编号占位符 5">
             <a:extLst>
               <a:ext uri="{FF2B5EF4-FFF2-40B4-BE49-F238E27FC236}">
-                <a16:creationId xmlns:a16="http://schemas.microsoft.com/office/drawing/2014/main" id="{E0D28776-7DB4-87F6-3A74-5C32AA17A186}"/>
+                <a16:creationId xmlns:a16="http://schemas.microsoft.com/office/drawing/2014/main" id="{F98E2BC7-098F-4720-2D09-94DA8B5BFBA0}"/>
               </a:ext>
             </a:extLst>
           </p:cNvPr>
@@ -504,7 +504,7 @@
           <a:bodyPr/>
           <a:lstStyle/>
           <a:p>
-            <a:fld id="{E3F830E5-F5C2-4660-B15E-453E9C033D02}" type="slidenum">
+            <a:fld id="{0EFBC989-8B3E-4E60-B8E6-D567798DAC84}" type="slidenum">
               <a:rPr lang="zh-CN" altLang="en-US" smtClean="0"/>
               <a:t>‹#›</a:t>
             </a:fld>
@@ -515,7 +515,7 @@
     </p:spTree>
     <p:extLst>
       <p:ext uri="{BB962C8B-B14F-4D97-AF65-F5344CB8AC3E}">
-        <p14:creationId xmlns:p14="http://schemas.microsoft.com/office/powerpoint/2010/main" val="12469756"/>
+        <p14:creationId xmlns:p14="http://schemas.microsoft.com/office/powerpoint/2010/main" val="2830751443"/>
       </p:ext>
     </p:extLst>
   </p:cSld>
@@ -547,7 +547,7 @@
           <p:cNvPr id="2" name="竖排标题 1">
             <a:extLst>
               <a:ext uri="{FF2B5EF4-FFF2-40B4-BE49-F238E27FC236}">
-                <a16:creationId xmlns:a16="http://schemas.microsoft.com/office/drawing/2014/main" id="{3BA39782-93F6-7013-2D3C-AF252440A811}"/>
+                <a16:creationId xmlns:a16="http://schemas.microsoft.com/office/drawing/2014/main" id="{AEFC9081-5A72-69E7-46AF-AF1774BF2307}"/>
               </a:ext>
             </a:extLst>
           </p:cNvPr>
@@ -580,7 +580,7 @@
           <p:cNvPr id="3" name="竖排文字占位符 2">
             <a:extLst>
               <a:ext uri="{FF2B5EF4-FFF2-40B4-BE49-F238E27FC236}">
-                <a16:creationId xmlns:a16="http://schemas.microsoft.com/office/drawing/2014/main" id="{1A9A7005-3531-F00A-4E27-1A78C0C67E2D}"/>
+                <a16:creationId xmlns:a16="http://schemas.microsoft.com/office/drawing/2014/main" id="{8B82EDBA-7297-E1E2-E565-E4B335B9B042}"/>
               </a:ext>
             </a:extLst>
           </p:cNvPr>
@@ -642,7 +642,7 @@
           <p:cNvPr id="4" name="日期占位符 3">
             <a:extLst>
               <a:ext uri="{FF2B5EF4-FFF2-40B4-BE49-F238E27FC236}">
-                <a16:creationId xmlns:a16="http://schemas.microsoft.com/office/drawing/2014/main" id="{F81B771F-8BC4-8643-D1A6-38DA017B4744}"/>
+                <a16:creationId xmlns:a16="http://schemas.microsoft.com/office/drawing/2014/main" id="{1C1F7891-FA5D-E20A-8E17-DF6EDCF70AA4}"/>
               </a:ext>
             </a:extLst>
           </p:cNvPr>
@@ -658,7 +658,7 @@
           <a:bodyPr/>
           <a:lstStyle/>
           <a:p>
-            <a:fld id="{D298EECB-A50F-4957-8380-5C3A788FE864}" type="datetimeFigureOut">
+            <a:fld id="{A2C0CDEE-1856-48FB-974C-BB49D4EAD297}" type="datetimeFigureOut">
               <a:rPr lang="zh-CN" altLang="en-US" smtClean="0"/>
               <a:t>2024/3/10</a:t>
             </a:fld>
@@ -671,7 +671,7 @@
           <p:cNvPr id="5" name="页脚占位符 4">
             <a:extLst>
               <a:ext uri="{FF2B5EF4-FFF2-40B4-BE49-F238E27FC236}">
-                <a16:creationId xmlns:a16="http://schemas.microsoft.com/office/drawing/2014/main" id="{D1CF40A3-0278-A092-3759-313B1066698C}"/>
+                <a16:creationId xmlns:a16="http://schemas.microsoft.com/office/drawing/2014/main" id="{38D1DE83-4F2F-E46F-6608-9AF115008E70}"/>
               </a:ext>
             </a:extLst>
           </p:cNvPr>
@@ -696,7 +696,7 @@
           <p:cNvPr id="6" name="灯片编号占位符 5">
             <a:extLst>
               <a:ext uri="{FF2B5EF4-FFF2-40B4-BE49-F238E27FC236}">
-                <a16:creationId xmlns:a16="http://schemas.microsoft.com/office/drawing/2014/main" id="{CAAA5681-2155-4B53-4D6B-71AB2A498467}"/>
+                <a16:creationId xmlns:a16="http://schemas.microsoft.com/office/drawing/2014/main" id="{D5842390-5479-50C5-AEE6-DBB129EC12D7}"/>
               </a:ext>
             </a:extLst>
           </p:cNvPr>
@@ -712,7 +712,7 @@
           <a:bodyPr/>
           <a:lstStyle/>
           <a:p>
-            <a:fld id="{E3F830E5-F5C2-4660-B15E-453E9C033D02}" type="slidenum">
+            <a:fld id="{0EFBC989-8B3E-4E60-B8E6-D567798DAC84}" type="slidenum">
               <a:rPr lang="zh-CN" altLang="en-US" smtClean="0"/>
               <a:t>‹#›</a:t>
             </a:fld>
@@ -723,7 +723,7 @@
     </p:spTree>
     <p:extLst>
       <p:ext uri="{BB962C8B-B14F-4D97-AF65-F5344CB8AC3E}">
-        <p14:creationId xmlns:p14="http://schemas.microsoft.com/office/powerpoint/2010/main" val="1143988337"/>
+        <p14:creationId xmlns:p14="http://schemas.microsoft.com/office/powerpoint/2010/main" val="3042082270"/>
       </p:ext>
     </p:extLst>
   </p:cSld>
@@ -755,7 +755,7 @@
           <p:cNvPr id="2" name="标题 1">
             <a:extLst>
               <a:ext uri="{FF2B5EF4-FFF2-40B4-BE49-F238E27FC236}">
-                <a16:creationId xmlns:a16="http://schemas.microsoft.com/office/drawing/2014/main" id="{1CD8F941-0E38-FA9B-08E0-E85B84276627}"/>
+                <a16:creationId xmlns:a16="http://schemas.microsoft.com/office/drawing/2014/main" id="{97ABCD56-347E-18B0-1340-1AEA3E1D34E4}"/>
               </a:ext>
             </a:extLst>
           </p:cNvPr>
@@ -783,7 +783,7 @@
           <p:cNvPr id="3" name="内容占位符 2">
             <a:extLst>
               <a:ext uri="{FF2B5EF4-FFF2-40B4-BE49-F238E27FC236}">
-                <a16:creationId xmlns:a16="http://schemas.microsoft.com/office/drawing/2014/main" id="{B2EE38C9-7D71-897F-BDE1-A19F005FB18E}"/>
+                <a16:creationId xmlns:a16="http://schemas.microsoft.com/office/drawing/2014/main" id="{AEF308D6-F009-8B5C-AA11-D71B9D39023A}"/>
               </a:ext>
             </a:extLst>
           </p:cNvPr>
@@ -840,7 +840,7 @@
           <p:cNvPr id="4" name="日期占位符 3">
             <a:extLst>
               <a:ext uri="{FF2B5EF4-FFF2-40B4-BE49-F238E27FC236}">
-                <a16:creationId xmlns:a16="http://schemas.microsoft.com/office/drawing/2014/main" id="{4122E27E-F633-6E5C-A2A7-DDC42C8981C5}"/>
+                <a16:creationId xmlns:a16="http://schemas.microsoft.com/office/drawing/2014/main" id="{9BB4799C-8BB1-1F29-BA25-CFD247FF85F5}"/>
               </a:ext>
             </a:extLst>
           </p:cNvPr>
@@ -856,7 +856,7 @@
           <a:bodyPr/>
           <a:lstStyle/>
           <a:p>
-            <a:fld id="{D298EECB-A50F-4957-8380-5C3A788FE864}" type="datetimeFigureOut">
+            <a:fld id="{A2C0CDEE-1856-48FB-974C-BB49D4EAD297}" type="datetimeFigureOut">
               <a:rPr lang="zh-CN" altLang="en-US" smtClean="0"/>
               <a:t>2024/3/10</a:t>
             </a:fld>
@@ -869,7 +869,7 @@
           <p:cNvPr id="5" name="页脚占位符 4">
             <a:extLst>
               <a:ext uri="{FF2B5EF4-FFF2-40B4-BE49-F238E27FC236}">
-                <a16:creationId xmlns:a16="http://schemas.microsoft.com/office/drawing/2014/main" id="{D481F0B4-7397-A0CA-A7D4-7A0610FF8661}"/>
+                <a16:creationId xmlns:a16="http://schemas.microsoft.com/office/drawing/2014/main" id="{BCC4CAC2-26B5-39AF-BCB8-82D501AB9EE4}"/>
               </a:ext>
             </a:extLst>
           </p:cNvPr>
@@ -894,7 +894,7 @@
           <p:cNvPr id="6" name="灯片编号占位符 5">
             <a:extLst>
               <a:ext uri="{FF2B5EF4-FFF2-40B4-BE49-F238E27FC236}">
-                <a16:creationId xmlns:a16="http://schemas.microsoft.com/office/drawing/2014/main" id="{B2E57256-AA67-6A96-94BA-59404C577EAD}"/>
+                <a16:creationId xmlns:a16="http://schemas.microsoft.com/office/drawing/2014/main" id="{0299E9BA-ED28-D8F5-FEE7-9142A47E8350}"/>
               </a:ext>
             </a:extLst>
           </p:cNvPr>
@@ -910,7 +910,7 @@
           <a:bodyPr/>
           <a:lstStyle/>
           <a:p>
-            <a:fld id="{E3F830E5-F5C2-4660-B15E-453E9C033D02}" type="slidenum">
+            <a:fld id="{0EFBC989-8B3E-4E60-B8E6-D567798DAC84}" type="slidenum">
               <a:rPr lang="zh-CN" altLang="en-US" smtClean="0"/>
               <a:t>‹#›</a:t>
             </a:fld>
@@ -921,7 +921,7 @@
     </p:spTree>
     <p:extLst>
       <p:ext uri="{BB962C8B-B14F-4D97-AF65-F5344CB8AC3E}">
-        <p14:creationId xmlns:p14="http://schemas.microsoft.com/office/powerpoint/2010/main" val="2872101569"/>
+        <p14:creationId xmlns:p14="http://schemas.microsoft.com/office/powerpoint/2010/main" val="732949544"/>
       </p:ext>
     </p:extLst>
   </p:cSld>
@@ -953,7 +953,7 @@
           <p:cNvPr id="2" name="标题 1">
             <a:extLst>
               <a:ext uri="{FF2B5EF4-FFF2-40B4-BE49-F238E27FC236}">
-                <a16:creationId xmlns:a16="http://schemas.microsoft.com/office/drawing/2014/main" id="{BAB25DA8-F45A-3893-4029-921E980F253B}"/>
+                <a16:creationId xmlns:a16="http://schemas.microsoft.com/office/drawing/2014/main" id="{18FB86A8-74AF-D072-A849-2F3A918B92D2}"/>
               </a:ext>
             </a:extLst>
           </p:cNvPr>
@@ -990,7 +990,7 @@
           <p:cNvPr id="3" name="文本占位符 2">
             <a:extLst>
               <a:ext uri="{FF2B5EF4-FFF2-40B4-BE49-F238E27FC236}">
-                <a16:creationId xmlns:a16="http://schemas.microsoft.com/office/drawing/2014/main" id="{036EC79D-4DFB-3027-FC06-FD533D3D2D39}"/>
+                <a16:creationId xmlns:a16="http://schemas.microsoft.com/office/drawing/2014/main" id="{369C94CA-8D84-E93C-0324-B7039BE3F23D}"/>
               </a:ext>
             </a:extLst>
           </p:cNvPr>
@@ -1115,7 +1115,7 @@
           <p:cNvPr id="4" name="日期占位符 3">
             <a:extLst>
               <a:ext uri="{FF2B5EF4-FFF2-40B4-BE49-F238E27FC236}">
-                <a16:creationId xmlns:a16="http://schemas.microsoft.com/office/drawing/2014/main" id="{0F920432-D8C7-5FF9-9AA1-D3AB23ADE11F}"/>
+                <a16:creationId xmlns:a16="http://schemas.microsoft.com/office/drawing/2014/main" id="{7BF3664F-02F8-A607-848D-0B8F13EB940A}"/>
               </a:ext>
             </a:extLst>
           </p:cNvPr>
@@ -1131,7 +1131,7 @@
           <a:bodyPr/>
           <a:lstStyle/>
           <a:p>
-            <a:fld id="{D298EECB-A50F-4957-8380-5C3A788FE864}" type="datetimeFigureOut">
+            <a:fld id="{A2C0CDEE-1856-48FB-974C-BB49D4EAD297}" type="datetimeFigureOut">
               <a:rPr lang="zh-CN" altLang="en-US" smtClean="0"/>
               <a:t>2024/3/10</a:t>
             </a:fld>
@@ -1144,7 +1144,7 @@
           <p:cNvPr id="5" name="页脚占位符 4">
             <a:extLst>
               <a:ext uri="{FF2B5EF4-FFF2-40B4-BE49-F238E27FC236}">
-                <a16:creationId xmlns:a16="http://schemas.microsoft.com/office/drawing/2014/main" id="{24B2B5E5-98F3-2A99-9E89-7469936FC9FE}"/>
+                <a16:creationId xmlns:a16="http://schemas.microsoft.com/office/drawing/2014/main" id="{B17C8769-42BC-3D38-494F-15B3E00B001D}"/>
               </a:ext>
             </a:extLst>
           </p:cNvPr>
@@ -1169,7 +1169,7 @@
           <p:cNvPr id="6" name="灯片编号占位符 5">
             <a:extLst>
               <a:ext uri="{FF2B5EF4-FFF2-40B4-BE49-F238E27FC236}">
-                <a16:creationId xmlns:a16="http://schemas.microsoft.com/office/drawing/2014/main" id="{E635C60D-09B5-DC43-3F34-00B245B6D6DA}"/>
+                <a16:creationId xmlns:a16="http://schemas.microsoft.com/office/drawing/2014/main" id="{E4EF2194-0B07-EEC3-330E-776A8EB5B55D}"/>
               </a:ext>
             </a:extLst>
           </p:cNvPr>
@@ -1185,7 +1185,7 @@
           <a:bodyPr/>
           <a:lstStyle/>
           <a:p>
-            <a:fld id="{E3F830E5-F5C2-4660-B15E-453E9C033D02}" type="slidenum">
+            <a:fld id="{0EFBC989-8B3E-4E60-B8E6-D567798DAC84}" type="slidenum">
               <a:rPr lang="zh-CN" altLang="en-US" smtClean="0"/>
               <a:t>‹#›</a:t>
             </a:fld>
@@ -1196,7 +1196,7 @@
     </p:spTree>
     <p:extLst>
       <p:ext uri="{BB962C8B-B14F-4D97-AF65-F5344CB8AC3E}">
-        <p14:creationId xmlns:p14="http://schemas.microsoft.com/office/powerpoint/2010/main" val="2762917654"/>
+        <p14:creationId xmlns:p14="http://schemas.microsoft.com/office/powerpoint/2010/main" val="3685899551"/>
       </p:ext>
     </p:extLst>
   </p:cSld>
@@ -1228,7 +1228,7 @@
           <p:cNvPr id="2" name="标题 1">
             <a:extLst>
               <a:ext uri="{FF2B5EF4-FFF2-40B4-BE49-F238E27FC236}">
-                <a16:creationId xmlns:a16="http://schemas.microsoft.com/office/drawing/2014/main" id="{88CA8C6D-C56D-32BA-1A4E-1847B52D7ADD}"/>
+                <a16:creationId xmlns:a16="http://schemas.microsoft.com/office/drawing/2014/main" id="{332A048A-6E71-D33D-60CB-5EC296C6AFA1}"/>
               </a:ext>
             </a:extLst>
           </p:cNvPr>
@@ -1256,7 +1256,7 @@
           <p:cNvPr id="3" name="内容占位符 2">
             <a:extLst>
               <a:ext uri="{FF2B5EF4-FFF2-40B4-BE49-F238E27FC236}">
-                <a16:creationId xmlns:a16="http://schemas.microsoft.com/office/drawing/2014/main" id="{E0DEF89B-5947-6162-56CC-57CA7A208A57}"/>
+                <a16:creationId xmlns:a16="http://schemas.microsoft.com/office/drawing/2014/main" id="{EE334F80-CD00-CEC1-00AF-0641C157406E}"/>
               </a:ext>
             </a:extLst>
           </p:cNvPr>
@@ -1318,7 +1318,7 @@
           <p:cNvPr id="4" name="内容占位符 3">
             <a:extLst>
               <a:ext uri="{FF2B5EF4-FFF2-40B4-BE49-F238E27FC236}">
-                <a16:creationId xmlns:a16="http://schemas.microsoft.com/office/drawing/2014/main" id="{BD895CBC-998A-6505-4C50-3DE284513F5E}"/>
+                <a16:creationId xmlns:a16="http://schemas.microsoft.com/office/drawing/2014/main" id="{9448799B-5A9B-E3DF-824B-BE5840253AB4}"/>
               </a:ext>
             </a:extLst>
           </p:cNvPr>
@@ -1380,7 +1380,7 @@
           <p:cNvPr id="5" name="日期占位符 4">
             <a:extLst>
               <a:ext uri="{FF2B5EF4-FFF2-40B4-BE49-F238E27FC236}">
-                <a16:creationId xmlns:a16="http://schemas.microsoft.com/office/drawing/2014/main" id="{3A8CA757-82C8-D57C-7433-F8F5A28A010A}"/>
+                <a16:creationId xmlns:a16="http://schemas.microsoft.com/office/drawing/2014/main" id="{7925AF60-7290-BC2E-D74A-226D21A99520}"/>
               </a:ext>
             </a:extLst>
           </p:cNvPr>
@@ -1396,7 +1396,7 @@
           <a:bodyPr/>
           <a:lstStyle/>
           <a:p>
-            <a:fld id="{D298EECB-A50F-4957-8380-5C3A788FE864}" type="datetimeFigureOut">
+            <a:fld id="{A2C0CDEE-1856-48FB-974C-BB49D4EAD297}" type="datetimeFigureOut">
               <a:rPr lang="zh-CN" altLang="en-US" smtClean="0"/>
               <a:t>2024/3/10</a:t>
             </a:fld>
@@ -1409,7 +1409,7 @@
           <p:cNvPr id="6" name="页脚占位符 5">
             <a:extLst>
               <a:ext uri="{FF2B5EF4-FFF2-40B4-BE49-F238E27FC236}">
-                <a16:creationId xmlns:a16="http://schemas.microsoft.com/office/drawing/2014/main" id="{B7BBBC01-93F6-A72D-B692-411F69180480}"/>
+                <a16:creationId xmlns:a16="http://schemas.microsoft.com/office/drawing/2014/main" id="{E27F73F6-E9F1-6423-B6A8-ECAC721E1BCE}"/>
               </a:ext>
             </a:extLst>
           </p:cNvPr>
@@ -1434,7 +1434,7 @@
           <p:cNvPr id="7" name="灯片编号占位符 6">
             <a:extLst>
               <a:ext uri="{FF2B5EF4-FFF2-40B4-BE49-F238E27FC236}">
-                <a16:creationId xmlns:a16="http://schemas.microsoft.com/office/drawing/2014/main" id="{D219C152-CBBF-BCA6-4BF8-B51E1BB7CB6D}"/>
+                <a16:creationId xmlns:a16="http://schemas.microsoft.com/office/drawing/2014/main" id="{3655E6DA-68E2-B107-F78A-A193510DFD4F}"/>
               </a:ext>
             </a:extLst>
           </p:cNvPr>
@@ -1450,7 +1450,7 @@
           <a:bodyPr/>
           <a:lstStyle/>
           <a:p>
-            <a:fld id="{E3F830E5-F5C2-4660-B15E-453E9C033D02}" type="slidenum">
+            <a:fld id="{0EFBC989-8B3E-4E60-B8E6-D567798DAC84}" type="slidenum">
               <a:rPr lang="zh-CN" altLang="en-US" smtClean="0"/>
               <a:t>‹#›</a:t>
             </a:fld>
@@ -1461,7 +1461,7 @@
     </p:spTree>
     <p:extLst>
       <p:ext uri="{BB962C8B-B14F-4D97-AF65-F5344CB8AC3E}">
-        <p14:creationId xmlns:p14="http://schemas.microsoft.com/office/powerpoint/2010/main" val="151178115"/>
+        <p14:creationId xmlns:p14="http://schemas.microsoft.com/office/powerpoint/2010/main" val="2284745268"/>
       </p:ext>
     </p:extLst>
   </p:cSld>
@@ -1493,7 +1493,7 @@
           <p:cNvPr id="2" name="标题 1">
             <a:extLst>
               <a:ext uri="{FF2B5EF4-FFF2-40B4-BE49-F238E27FC236}">
-                <a16:creationId xmlns:a16="http://schemas.microsoft.com/office/drawing/2014/main" id="{A946B618-5D4D-84E6-3B07-BBA3AE143D30}"/>
+                <a16:creationId xmlns:a16="http://schemas.microsoft.com/office/drawing/2014/main" id="{2E2425FD-5257-8404-C411-CB2F48333E6B}"/>
               </a:ext>
             </a:extLst>
           </p:cNvPr>
@@ -1526,7 +1526,7 @@
           <p:cNvPr id="3" name="文本占位符 2">
             <a:extLst>
               <a:ext uri="{FF2B5EF4-FFF2-40B4-BE49-F238E27FC236}">
-                <a16:creationId xmlns:a16="http://schemas.microsoft.com/office/drawing/2014/main" id="{EEF116BD-9149-D743-9556-39C3BB62397C}"/>
+                <a16:creationId xmlns:a16="http://schemas.microsoft.com/office/drawing/2014/main" id="{39E8C272-7411-42D4-A6C4-2897C03BA45B}"/>
               </a:ext>
             </a:extLst>
           </p:cNvPr>
@@ -1597,7 +1597,7 @@
           <p:cNvPr id="4" name="内容占位符 3">
             <a:extLst>
               <a:ext uri="{FF2B5EF4-FFF2-40B4-BE49-F238E27FC236}">
-                <a16:creationId xmlns:a16="http://schemas.microsoft.com/office/drawing/2014/main" id="{7B036A70-AAC7-35A1-452D-06FA61C7B577}"/>
+                <a16:creationId xmlns:a16="http://schemas.microsoft.com/office/drawing/2014/main" id="{36C335CA-838D-BF37-4FD2-1BAD70F96FFD}"/>
               </a:ext>
             </a:extLst>
           </p:cNvPr>
@@ -1659,7 +1659,7 @@
           <p:cNvPr id="5" name="文本占位符 4">
             <a:extLst>
               <a:ext uri="{FF2B5EF4-FFF2-40B4-BE49-F238E27FC236}">
-                <a16:creationId xmlns:a16="http://schemas.microsoft.com/office/drawing/2014/main" id="{A665773C-DA3D-3034-3242-BA63EB37C890}"/>
+                <a16:creationId xmlns:a16="http://schemas.microsoft.com/office/drawing/2014/main" id="{F00E2D86-0110-3996-9322-D81B62FE45A3}"/>
               </a:ext>
             </a:extLst>
           </p:cNvPr>
@@ -1730,7 +1730,7 @@
           <p:cNvPr id="6" name="内容占位符 5">
             <a:extLst>
               <a:ext uri="{FF2B5EF4-FFF2-40B4-BE49-F238E27FC236}">
-                <a16:creationId xmlns:a16="http://schemas.microsoft.com/office/drawing/2014/main" id="{1C4EBA3B-4C06-DE12-D22E-4550B61F335A}"/>
+                <a16:creationId xmlns:a16="http://schemas.microsoft.com/office/drawing/2014/main" id="{033E8D4C-D867-AEE1-85C9-1897C384216E}"/>
               </a:ext>
             </a:extLst>
           </p:cNvPr>
@@ -1792,7 +1792,7 @@
           <p:cNvPr id="7" name="日期占位符 6">
             <a:extLst>
               <a:ext uri="{FF2B5EF4-FFF2-40B4-BE49-F238E27FC236}">
-                <a16:creationId xmlns:a16="http://schemas.microsoft.com/office/drawing/2014/main" id="{3CACFD2E-355C-1FFC-ED6B-F464F30989E9}"/>
+                <a16:creationId xmlns:a16="http://schemas.microsoft.com/office/drawing/2014/main" id="{868AADAE-FAB1-DB73-8A87-995A2205B0EF}"/>
               </a:ext>
             </a:extLst>
           </p:cNvPr>
@@ -1808,7 +1808,7 @@
           <a:bodyPr/>
           <a:lstStyle/>
           <a:p>
-            <a:fld id="{D298EECB-A50F-4957-8380-5C3A788FE864}" type="datetimeFigureOut">
+            <a:fld id="{A2C0CDEE-1856-48FB-974C-BB49D4EAD297}" type="datetimeFigureOut">
               <a:rPr lang="zh-CN" altLang="en-US" smtClean="0"/>
               <a:t>2024/3/10</a:t>
             </a:fld>
@@ -1821,7 +1821,7 @@
           <p:cNvPr id="8" name="页脚占位符 7">
             <a:extLst>
               <a:ext uri="{FF2B5EF4-FFF2-40B4-BE49-F238E27FC236}">
-                <a16:creationId xmlns:a16="http://schemas.microsoft.com/office/drawing/2014/main" id="{EB968995-5EB8-F104-B390-46F01C114B1D}"/>
+                <a16:creationId xmlns:a16="http://schemas.microsoft.com/office/drawing/2014/main" id="{24005708-5E5D-271C-D67C-A42DFCE9D1E3}"/>
               </a:ext>
             </a:extLst>
           </p:cNvPr>
@@ -1846,7 +1846,7 @@
           <p:cNvPr id="9" name="灯片编号占位符 8">
             <a:extLst>
               <a:ext uri="{FF2B5EF4-FFF2-40B4-BE49-F238E27FC236}">
-                <a16:creationId xmlns:a16="http://schemas.microsoft.com/office/drawing/2014/main" id="{95A9C6BC-3BBC-5CC3-32AC-618940F4C76F}"/>
+                <a16:creationId xmlns:a16="http://schemas.microsoft.com/office/drawing/2014/main" id="{17E6E2F1-FA36-1750-EC80-1A2CE06B3FD0}"/>
               </a:ext>
             </a:extLst>
           </p:cNvPr>
@@ -1862,7 +1862,7 @@
           <a:bodyPr/>
           <a:lstStyle/>
           <a:p>
-            <a:fld id="{E3F830E5-F5C2-4660-B15E-453E9C033D02}" type="slidenum">
+            <a:fld id="{0EFBC989-8B3E-4E60-B8E6-D567798DAC84}" type="slidenum">
               <a:rPr lang="zh-CN" altLang="en-US" smtClean="0"/>
               <a:t>‹#›</a:t>
             </a:fld>
@@ -1873,7 +1873,7 @@
     </p:spTree>
     <p:extLst>
       <p:ext uri="{BB962C8B-B14F-4D97-AF65-F5344CB8AC3E}">
-        <p14:creationId xmlns:p14="http://schemas.microsoft.com/office/powerpoint/2010/main" val="447766206"/>
+        <p14:creationId xmlns:p14="http://schemas.microsoft.com/office/powerpoint/2010/main" val="315284788"/>
       </p:ext>
     </p:extLst>
   </p:cSld>
@@ -1905,7 +1905,7 @@
           <p:cNvPr id="2" name="标题 1">
             <a:extLst>
               <a:ext uri="{FF2B5EF4-FFF2-40B4-BE49-F238E27FC236}">
-                <a16:creationId xmlns:a16="http://schemas.microsoft.com/office/drawing/2014/main" id="{0A222E87-4786-C2C5-48EA-D6571F5819D2}"/>
+                <a16:creationId xmlns:a16="http://schemas.microsoft.com/office/drawing/2014/main" id="{960C60A4-C0BC-47BF-FB67-4591A7E293F6}"/>
               </a:ext>
             </a:extLst>
           </p:cNvPr>
@@ -1933,7 +1933,7 @@
           <p:cNvPr id="3" name="日期占位符 2">
             <a:extLst>
               <a:ext uri="{FF2B5EF4-FFF2-40B4-BE49-F238E27FC236}">
-                <a16:creationId xmlns:a16="http://schemas.microsoft.com/office/drawing/2014/main" id="{36EFE4EA-B227-1D8B-DE05-997ABC0C3EA2}"/>
+                <a16:creationId xmlns:a16="http://schemas.microsoft.com/office/drawing/2014/main" id="{9E98E3DE-ECA8-4545-7296-89C12D6B902F}"/>
               </a:ext>
             </a:extLst>
           </p:cNvPr>
@@ -1949,7 +1949,7 @@
           <a:bodyPr/>
           <a:lstStyle/>
           <a:p>
-            <a:fld id="{D298EECB-A50F-4957-8380-5C3A788FE864}" type="datetimeFigureOut">
+            <a:fld id="{A2C0CDEE-1856-48FB-974C-BB49D4EAD297}" type="datetimeFigureOut">
               <a:rPr lang="zh-CN" altLang="en-US" smtClean="0"/>
               <a:t>2024/3/10</a:t>
             </a:fld>
@@ -1962,7 +1962,7 @@
           <p:cNvPr id="4" name="页脚占位符 3">
             <a:extLst>
               <a:ext uri="{FF2B5EF4-FFF2-40B4-BE49-F238E27FC236}">
-                <a16:creationId xmlns:a16="http://schemas.microsoft.com/office/drawing/2014/main" id="{7C4A867B-FE51-DC19-1D17-39D980BBB626}"/>
+                <a16:creationId xmlns:a16="http://schemas.microsoft.com/office/drawing/2014/main" id="{363F5F36-FF75-07AF-4197-C792EFD09B8D}"/>
               </a:ext>
             </a:extLst>
           </p:cNvPr>
@@ -1987,7 +1987,7 @@
           <p:cNvPr id="5" name="灯片编号占位符 4">
             <a:extLst>
               <a:ext uri="{FF2B5EF4-FFF2-40B4-BE49-F238E27FC236}">
-                <a16:creationId xmlns:a16="http://schemas.microsoft.com/office/drawing/2014/main" id="{CFBC7C70-6F3B-51DF-5554-622D1685AEF3}"/>
+                <a16:creationId xmlns:a16="http://schemas.microsoft.com/office/drawing/2014/main" id="{A09A3B16-01C2-3B65-6BBB-285F3B45BDF0}"/>
               </a:ext>
             </a:extLst>
           </p:cNvPr>
@@ -2003,7 +2003,7 @@
           <a:bodyPr/>
           <a:lstStyle/>
           <a:p>
-            <a:fld id="{E3F830E5-F5C2-4660-B15E-453E9C033D02}" type="slidenum">
+            <a:fld id="{0EFBC989-8B3E-4E60-B8E6-D567798DAC84}" type="slidenum">
               <a:rPr lang="zh-CN" altLang="en-US" smtClean="0"/>
               <a:t>‹#›</a:t>
             </a:fld>
@@ -2014,7 +2014,7 @@
     </p:spTree>
     <p:extLst>
       <p:ext uri="{BB962C8B-B14F-4D97-AF65-F5344CB8AC3E}">
-        <p14:creationId xmlns:p14="http://schemas.microsoft.com/office/powerpoint/2010/main" val="2487757153"/>
+        <p14:creationId xmlns:p14="http://schemas.microsoft.com/office/powerpoint/2010/main" val="402657342"/>
       </p:ext>
     </p:extLst>
   </p:cSld>
@@ -2046,7 +2046,7 @@
           <p:cNvPr id="2" name="日期占位符 1">
             <a:extLst>
               <a:ext uri="{FF2B5EF4-FFF2-40B4-BE49-F238E27FC236}">
-                <a16:creationId xmlns:a16="http://schemas.microsoft.com/office/drawing/2014/main" id="{32B24AE7-71FE-9A10-8FFA-EA3C5154C2F9}"/>
+                <a16:creationId xmlns:a16="http://schemas.microsoft.com/office/drawing/2014/main" id="{CDF71F10-23FB-9DDB-5958-27D0DD4C1643}"/>
               </a:ext>
             </a:extLst>
           </p:cNvPr>
@@ -2062,7 +2062,7 @@
           <a:bodyPr/>
           <a:lstStyle/>
           <a:p>
-            <a:fld id="{D298EECB-A50F-4957-8380-5C3A788FE864}" type="datetimeFigureOut">
+            <a:fld id="{A2C0CDEE-1856-48FB-974C-BB49D4EAD297}" type="datetimeFigureOut">
               <a:rPr lang="zh-CN" altLang="en-US" smtClean="0"/>
               <a:t>2024/3/10</a:t>
             </a:fld>
@@ -2075,7 +2075,7 @@
           <p:cNvPr id="3" name="页脚占位符 2">
             <a:extLst>
               <a:ext uri="{FF2B5EF4-FFF2-40B4-BE49-F238E27FC236}">
-                <a16:creationId xmlns:a16="http://schemas.microsoft.com/office/drawing/2014/main" id="{CCDDB292-4728-A909-757D-8D30BD57EBCF}"/>
+                <a16:creationId xmlns:a16="http://schemas.microsoft.com/office/drawing/2014/main" id="{C69AB63C-57E0-6DB5-561E-5BE23516DB27}"/>
               </a:ext>
             </a:extLst>
           </p:cNvPr>
@@ -2100,7 +2100,7 @@
           <p:cNvPr id="4" name="灯片编号占位符 3">
             <a:extLst>
               <a:ext uri="{FF2B5EF4-FFF2-40B4-BE49-F238E27FC236}">
-                <a16:creationId xmlns:a16="http://schemas.microsoft.com/office/drawing/2014/main" id="{1F34AF40-BBC0-E131-C5B9-3CC8E919BEA5}"/>
+                <a16:creationId xmlns:a16="http://schemas.microsoft.com/office/drawing/2014/main" id="{BFA58BEF-6135-0D86-8D8E-D6F91EA7E40D}"/>
               </a:ext>
             </a:extLst>
           </p:cNvPr>
@@ -2116,7 +2116,7 @@
           <a:bodyPr/>
           <a:lstStyle/>
           <a:p>
-            <a:fld id="{E3F830E5-F5C2-4660-B15E-453E9C033D02}" type="slidenum">
+            <a:fld id="{0EFBC989-8B3E-4E60-B8E6-D567798DAC84}" type="slidenum">
               <a:rPr lang="zh-CN" altLang="en-US" smtClean="0"/>
               <a:t>‹#›</a:t>
             </a:fld>
@@ -2127,7 +2127,7 @@
     </p:spTree>
     <p:extLst>
       <p:ext uri="{BB962C8B-B14F-4D97-AF65-F5344CB8AC3E}">
-        <p14:creationId xmlns:p14="http://schemas.microsoft.com/office/powerpoint/2010/main" val="1554235096"/>
+        <p14:creationId xmlns:p14="http://schemas.microsoft.com/office/powerpoint/2010/main" val="4046886565"/>
       </p:ext>
     </p:extLst>
   </p:cSld>
@@ -2159,7 +2159,7 @@
           <p:cNvPr id="2" name="标题 1">
             <a:extLst>
               <a:ext uri="{FF2B5EF4-FFF2-40B4-BE49-F238E27FC236}">
-                <a16:creationId xmlns:a16="http://schemas.microsoft.com/office/drawing/2014/main" id="{6CD6366E-7B63-8157-A53E-47FE5BC424D0}"/>
+                <a16:creationId xmlns:a16="http://schemas.microsoft.com/office/drawing/2014/main" id="{0D1426F7-2B4E-B7DF-9FDB-BDA834673777}"/>
               </a:ext>
             </a:extLst>
           </p:cNvPr>
@@ -2196,7 +2196,7 @@
           <p:cNvPr id="3" name="内容占位符 2">
             <a:extLst>
               <a:ext uri="{FF2B5EF4-FFF2-40B4-BE49-F238E27FC236}">
-                <a16:creationId xmlns:a16="http://schemas.microsoft.com/office/drawing/2014/main" id="{AC40278B-044B-0B30-1F77-B18B5978C722}"/>
+                <a16:creationId xmlns:a16="http://schemas.microsoft.com/office/drawing/2014/main" id="{7CA3A068-515B-2129-A33F-DD55C7952DF8}"/>
               </a:ext>
             </a:extLst>
           </p:cNvPr>
@@ -2286,7 +2286,7 @@
           <p:cNvPr id="4" name="文本占位符 3">
             <a:extLst>
               <a:ext uri="{FF2B5EF4-FFF2-40B4-BE49-F238E27FC236}">
-                <a16:creationId xmlns:a16="http://schemas.microsoft.com/office/drawing/2014/main" id="{A41D510D-1BC6-4B0C-0630-E4C2DC2D3E02}"/>
+                <a16:creationId xmlns:a16="http://schemas.microsoft.com/office/drawing/2014/main" id="{94CD6B08-9B8A-4D15-1F32-7F4AC9DCF1CB}"/>
               </a:ext>
             </a:extLst>
           </p:cNvPr>
@@ -2357,7 +2357,7 @@
           <p:cNvPr id="5" name="日期占位符 4">
             <a:extLst>
               <a:ext uri="{FF2B5EF4-FFF2-40B4-BE49-F238E27FC236}">
-                <a16:creationId xmlns:a16="http://schemas.microsoft.com/office/drawing/2014/main" id="{BA84D40D-C34C-D3E9-CEC3-0F595C7C998B}"/>
+                <a16:creationId xmlns:a16="http://schemas.microsoft.com/office/drawing/2014/main" id="{6B30248A-C36D-527A-211E-13992E79F4DA}"/>
               </a:ext>
             </a:extLst>
           </p:cNvPr>
@@ -2373,7 +2373,7 @@
           <a:bodyPr/>
           <a:lstStyle/>
           <a:p>
-            <a:fld id="{D298EECB-A50F-4957-8380-5C3A788FE864}" type="datetimeFigureOut">
+            <a:fld id="{A2C0CDEE-1856-48FB-974C-BB49D4EAD297}" type="datetimeFigureOut">
               <a:rPr lang="zh-CN" altLang="en-US" smtClean="0"/>
               <a:t>2024/3/10</a:t>
             </a:fld>
@@ -2386,7 +2386,7 @@
           <p:cNvPr id="6" name="页脚占位符 5">
             <a:extLst>
               <a:ext uri="{FF2B5EF4-FFF2-40B4-BE49-F238E27FC236}">
-                <a16:creationId xmlns:a16="http://schemas.microsoft.com/office/drawing/2014/main" id="{C017FEE7-B1FC-3C7A-58DD-AC5F56B24966}"/>
+                <a16:creationId xmlns:a16="http://schemas.microsoft.com/office/drawing/2014/main" id="{06653F0B-04FB-034B-0B5E-B9BFF46EAF2B}"/>
               </a:ext>
             </a:extLst>
           </p:cNvPr>
@@ -2411,7 +2411,7 @@
           <p:cNvPr id="7" name="灯片编号占位符 6">
             <a:extLst>
               <a:ext uri="{FF2B5EF4-FFF2-40B4-BE49-F238E27FC236}">
-                <a16:creationId xmlns:a16="http://schemas.microsoft.com/office/drawing/2014/main" id="{A81CBF4E-A436-D860-11A6-48EE25F0A427}"/>
+                <a16:creationId xmlns:a16="http://schemas.microsoft.com/office/drawing/2014/main" id="{A8A008E0-66D7-E9B5-4E41-1A9E1B160DE2}"/>
               </a:ext>
             </a:extLst>
           </p:cNvPr>
@@ -2427,7 +2427,7 @@
           <a:bodyPr/>
           <a:lstStyle/>
           <a:p>
-            <a:fld id="{E3F830E5-F5C2-4660-B15E-453E9C033D02}" type="slidenum">
+            <a:fld id="{0EFBC989-8B3E-4E60-B8E6-D567798DAC84}" type="slidenum">
               <a:rPr lang="zh-CN" altLang="en-US" smtClean="0"/>
               <a:t>‹#›</a:t>
             </a:fld>
@@ -2438,7 +2438,7 @@
     </p:spTree>
     <p:extLst>
       <p:ext uri="{BB962C8B-B14F-4D97-AF65-F5344CB8AC3E}">
-        <p14:creationId xmlns:p14="http://schemas.microsoft.com/office/powerpoint/2010/main" val="1762499227"/>
+        <p14:creationId xmlns:p14="http://schemas.microsoft.com/office/powerpoint/2010/main" val="350611903"/>
       </p:ext>
     </p:extLst>
   </p:cSld>
@@ -2470,7 +2470,7 @@
           <p:cNvPr id="2" name="标题 1">
             <a:extLst>
               <a:ext uri="{FF2B5EF4-FFF2-40B4-BE49-F238E27FC236}">
-                <a16:creationId xmlns:a16="http://schemas.microsoft.com/office/drawing/2014/main" id="{4BD90B6E-4AE0-AE8F-1643-E37B34D96F16}"/>
+                <a16:creationId xmlns:a16="http://schemas.microsoft.com/office/drawing/2014/main" id="{659C096F-5076-A79F-BB28-A8DF224A0AD7}"/>
               </a:ext>
             </a:extLst>
           </p:cNvPr>
@@ -2507,7 +2507,7 @@
           <p:cNvPr id="3" name="图片占位符 2">
             <a:extLst>
               <a:ext uri="{FF2B5EF4-FFF2-40B4-BE49-F238E27FC236}">
-                <a16:creationId xmlns:a16="http://schemas.microsoft.com/office/drawing/2014/main" id="{D21AE3C8-9D6C-5BAC-083D-94A47349D8A4}"/>
+                <a16:creationId xmlns:a16="http://schemas.microsoft.com/office/drawing/2014/main" id="{EAB20006-D58D-99AA-B1D9-4228C5598DBC}"/>
               </a:ext>
             </a:extLst>
           </p:cNvPr>
@@ -2574,7 +2574,7 @@
           <p:cNvPr id="4" name="文本占位符 3">
             <a:extLst>
               <a:ext uri="{FF2B5EF4-FFF2-40B4-BE49-F238E27FC236}">
-                <a16:creationId xmlns:a16="http://schemas.microsoft.com/office/drawing/2014/main" id="{ADC8013D-7C18-6473-AC06-3B5D89E1ADB3}"/>
+                <a16:creationId xmlns:a16="http://schemas.microsoft.com/office/drawing/2014/main" id="{4AD3F514-38DB-A838-F50A-401D63DD5E87}"/>
               </a:ext>
             </a:extLst>
           </p:cNvPr>
@@ -2645,7 +2645,7 @@
           <p:cNvPr id="5" name="日期占位符 4">
             <a:extLst>
               <a:ext uri="{FF2B5EF4-FFF2-40B4-BE49-F238E27FC236}">
-                <a16:creationId xmlns:a16="http://schemas.microsoft.com/office/drawing/2014/main" id="{34F85154-2940-EB20-5756-06B19509D320}"/>
+                <a16:creationId xmlns:a16="http://schemas.microsoft.com/office/drawing/2014/main" id="{3F4FEA3A-67AF-F72D-623C-E20B6C195041}"/>
               </a:ext>
             </a:extLst>
           </p:cNvPr>
@@ -2661,7 +2661,7 @@
           <a:bodyPr/>
           <a:lstStyle/>
           <a:p>
-            <a:fld id="{D298EECB-A50F-4957-8380-5C3A788FE864}" type="datetimeFigureOut">
+            <a:fld id="{A2C0CDEE-1856-48FB-974C-BB49D4EAD297}" type="datetimeFigureOut">
               <a:rPr lang="zh-CN" altLang="en-US" smtClean="0"/>
               <a:t>2024/3/10</a:t>
             </a:fld>
@@ -2674,7 +2674,7 @@
           <p:cNvPr id="6" name="页脚占位符 5">
             <a:extLst>
               <a:ext uri="{FF2B5EF4-FFF2-40B4-BE49-F238E27FC236}">
-                <a16:creationId xmlns:a16="http://schemas.microsoft.com/office/drawing/2014/main" id="{8A92CE60-B5AB-3677-C251-2EBE542DA587}"/>
+                <a16:creationId xmlns:a16="http://schemas.microsoft.com/office/drawing/2014/main" id="{C8C509E2-4A84-8191-48D7-7F30555F6D8C}"/>
               </a:ext>
             </a:extLst>
           </p:cNvPr>
@@ -2699,7 +2699,7 @@
           <p:cNvPr id="7" name="灯片编号占位符 6">
             <a:extLst>
               <a:ext uri="{FF2B5EF4-FFF2-40B4-BE49-F238E27FC236}">
-                <a16:creationId xmlns:a16="http://schemas.microsoft.com/office/drawing/2014/main" id="{46C2EBFB-DC85-CA7A-7C01-AC529379FCBE}"/>
+                <a16:creationId xmlns:a16="http://schemas.microsoft.com/office/drawing/2014/main" id="{5485F7B2-9E30-9232-C787-0929CB6B7CB8}"/>
               </a:ext>
             </a:extLst>
           </p:cNvPr>
@@ -2715,7 +2715,7 @@
           <a:bodyPr/>
           <a:lstStyle/>
           <a:p>
-            <a:fld id="{E3F830E5-F5C2-4660-B15E-453E9C033D02}" type="slidenum">
+            <a:fld id="{0EFBC989-8B3E-4E60-B8E6-D567798DAC84}" type="slidenum">
               <a:rPr lang="zh-CN" altLang="en-US" smtClean="0"/>
               <a:t>‹#›</a:t>
             </a:fld>
@@ -2726,7 +2726,7 @@
     </p:spTree>
     <p:extLst>
       <p:ext uri="{BB962C8B-B14F-4D97-AF65-F5344CB8AC3E}">
-        <p14:creationId xmlns:p14="http://schemas.microsoft.com/office/powerpoint/2010/main" val="3045334440"/>
+        <p14:creationId xmlns:p14="http://schemas.microsoft.com/office/powerpoint/2010/main" val="3697911526"/>
       </p:ext>
     </p:extLst>
   </p:cSld>
@@ -2763,7 +2763,7 @@
           <p:cNvPr id="2" name="标题占位符 1">
             <a:extLst>
               <a:ext uri="{FF2B5EF4-FFF2-40B4-BE49-F238E27FC236}">
-                <a16:creationId xmlns:a16="http://schemas.microsoft.com/office/drawing/2014/main" id="{5989D1A7-8A6D-2941-28D5-1A1781235781}"/>
+                <a16:creationId xmlns:a16="http://schemas.microsoft.com/office/drawing/2014/main" id="{DFF2CC4C-499C-BEBC-7F33-BCB052AE1CA3}"/>
               </a:ext>
             </a:extLst>
           </p:cNvPr>
@@ -2801,7 +2801,7 @@
           <p:cNvPr id="3" name="文本占位符 2">
             <a:extLst>
               <a:ext uri="{FF2B5EF4-FFF2-40B4-BE49-F238E27FC236}">
-                <a16:creationId xmlns:a16="http://schemas.microsoft.com/office/drawing/2014/main" id="{1F771149-40F5-6ECB-30B0-CF969AC846E1}"/>
+                <a16:creationId xmlns:a16="http://schemas.microsoft.com/office/drawing/2014/main" id="{397FE2E6-E478-F813-D66A-0E53332DC006}"/>
               </a:ext>
             </a:extLst>
           </p:cNvPr>
@@ -2868,7 +2868,7 @@
           <p:cNvPr id="4" name="日期占位符 3">
             <a:extLst>
               <a:ext uri="{FF2B5EF4-FFF2-40B4-BE49-F238E27FC236}">
-                <a16:creationId xmlns:a16="http://schemas.microsoft.com/office/drawing/2014/main" id="{E945405F-671C-5E18-1CA1-6BB53B4E5C23}"/>
+                <a16:creationId xmlns:a16="http://schemas.microsoft.com/office/drawing/2014/main" id="{B2495917-B1A5-FFD0-AA72-EB770BD8CB0A}"/>
               </a:ext>
             </a:extLst>
           </p:cNvPr>
@@ -2902,7 +2902,7 @@
             </a:lvl1pPr>
           </a:lstStyle>
           <a:p>
-            <a:fld id="{D298EECB-A50F-4957-8380-5C3A788FE864}" type="datetimeFigureOut">
+            <a:fld id="{A2C0CDEE-1856-48FB-974C-BB49D4EAD297}" type="datetimeFigureOut">
               <a:rPr lang="zh-CN" altLang="en-US" smtClean="0"/>
               <a:t>2024/3/10</a:t>
             </a:fld>
@@ -2915,7 +2915,7 @@
           <p:cNvPr id="5" name="页脚占位符 4">
             <a:extLst>
               <a:ext uri="{FF2B5EF4-FFF2-40B4-BE49-F238E27FC236}">
-                <a16:creationId xmlns:a16="http://schemas.microsoft.com/office/drawing/2014/main" id="{B1FEA40A-FB5E-207F-EC7B-E8CC567AC4C7}"/>
+                <a16:creationId xmlns:a16="http://schemas.microsoft.com/office/drawing/2014/main" id="{64A76655-6E48-3901-375E-ADD94B199F8C}"/>
               </a:ext>
             </a:extLst>
           </p:cNvPr>
@@ -2958,7 +2958,7 @@
           <p:cNvPr id="6" name="灯片编号占位符 5">
             <a:extLst>
               <a:ext uri="{FF2B5EF4-FFF2-40B4-BE49-F238E27FC236}">
-                <a16:creationId xmlns:a16="http://schemas.microsoft.com/office/drawing/2014/main" id="{3458320A-BB74-26BF-F122-3EABAB9EF050}"/>
+                <a16:creationId xmlns:a16="http://schemas.microsoft.com/office/drawing/2014/main" id="{F7C38CDE-C70D-F451-5FB0-D9A8C22BF1AB}"/>
               </a:ext>
             </a:extLst>
           </p:cNvPr>
@@ -2992,7 +2992,7 @@
             </a:lvl1pPr>
           </a:lstStyle>
           <a:p>
-            <a:fld id="{E3F830E5-F5C2-4660-B15E-453E9C033D02}" type="slidenum">
+            <a:fld id="{0EFBC989-8B3E-4E60-B8E6-D567798DAC84}" type="slidenum">
               <a:rPr lang="zh-CN" altLang="en-US" smtClean="0"/>
               <a:t>‹#›</a:t>
             </a:fld>
@@ -3003,7 +3003,7 @@
     </p:spTree>
     <p:extLst>
       <p:ext uri="{BB962C8B-B14F-4D97-AF65-F5344CB8AC3E}">
-        <p14:creationId xmlns:p14="http://schemas.microsoft.com/office/powerpoint/2010/main" val="986423559"/>
+        <p14:creationId xmlns:p14="http://schemas.microsoft.com/office/powerpoint/2010/main" val="2401479974"/>
       </p:ext>
     </p:extLst>
   </p:cSld>
